--- a/help/Introduction2OpenCV.pptx
+++ b/help/Introduction2OpenCV.pptx
@@ -233,7 +233,7 @@
           <a:p>
             <a:fld id="{76900911-8D23-4F4E-B996-83CC28C9A463}" type="datetimeFigureOut">
               <a:rPr lang="ru-RU" smtClean="0"/>
-              <a:t>25.08.2017</a:t>
+              <a:t>28.08.2017</a:t>
             </a:fld>
             <a:endParaRPr lang="ru-RU"/>
           </a:p>
@@ -614,8 +614,8 @@
         </p:nvSpPr>
         <p:spPr/>
       </p:sp>
-      <mc:AlternateContent xmlns:mc="http://schemas.openxmlformats.org/markup-compatibility/2006">
-        <mc:Choice xmlns:a14="http://schemas.microsoft.com/office/drawing/2010/main" Requires="a14">
+      <mc:AlternateContent xmlns:mc="http://schemas.openxmlformats.org/markup-compatibility/2006" xmlns:a14="http://schemas.microsoft.com/office/drawing/2010/main">
+        <mc:Choice Requires="a14">
           <p:sp>
             <p:nvSpPr>
               <p:cNvPr id="3" name="Заметки 2"/>
@@ -1103,7 +1103,7 @@
             </p:txBody>
           </p:sp>
         </mc:Choice>
-        <mc:Fallback>
+        <mc:Fallback xmlns="">
           <p:sp>
             <p:nvSpPr>
               <p:cNvPr id="3" name="Заметки 2"/>
@@ -4201,11 +4201,7 @@
             </a:r>
             <a:r>
               <a:rPr lang="ru-RU" dirty="0" smtClean="0"/>
-              <a:t>Хранение изображений </a:t>
-            </a:r>
-            <a:r>
-              <a:rPr lang="ru-RU" dirty="0" smtClean="0"/>
-              <a:t>(</a:t>
+              <a:t>Хранение изображений (</a:t>
             </a:r>
             <a:r>
               <a:rPr lang="en-US" dirty="0" smtClean="0"/>
@@ -4964,36 +4960,22 @@
                 <a:latin typeface="Courier New" panose="02070309020205020404" pitchFamily="49" charset="0"/>
                 <a:cs typeface="Courier New" panose="02070309020205020404" pitchFamily="49" charset="0"/>
               </a:rPr>
-              <a:t> cv</a:t>
+              <a:t> cv::Mat&amp;</a:t>
+            </a:r>
+          </a:p>
+          <a:p>
+            <a:r>
+              <a:rPr lang="en-US" b="1" dirty="0" err="1" smtClean="0">
+                <a:latin typeface="Courier New" panose="02070309020205020404" pitchFamily="49" charset="0"/>
+                <a:cs typeface="Courier New" panose="02070309020205020404" pitchFamily="49" charset="0"/>
+              </a:rPr>
+              <a:t>OutputArray</a:t>
             </a:r>
             <a:r>
               <a:rPr lang="en-US" b="1" dirty="0" smtClean="0">
                 <a:latin typeface="Courier New" panose="02070309020205020404" pitchFamily="49" charset="0"/>
                 <a:cs typeface="Courier New" panose="02070309020205020404" pitchFamily="49" charset="0"/>
               </a:rPr>
-              <a:t>::</a:t>
-            </a:r>
-            <a:r>
-              <a:rPr lang="en-US" b="1" dirty="0" smtClean="0">
-                <a:latin typeface="Courier New" panose="02070309020205020404" pitchFamily="49" charset="0"/>
-                <a:cs typeface="Courier New" panose="02070309020205020404" pitchFamily="49" charset="0"/>
-              </a:rPr>
-              <a:t>Mat&amp;</a:t>
-            </a:r>
-          </a:p>
-          <a:p>
-            <a:r>
-              <a:rPr lang="en-US" b="1" dirty="0" err="1" smtClean="0">
-                <a:latin typeface="Courier New" panose="02070309020205020404" pitchFamily="49" charset="0"/>
-                <a:cs typeface="Courier New" panose="02070309020205020404" pitchFamily="49" charset="0"/>
-              </a:rPr>
-              <a:t>OutputArray</a:t>
-            </a:r>
-            <a:r>
-              <a:rPr lang="en-US" b="1" dirty="0" smtClean="0">
-                <a:latin typeface="Courier New" panose="02070309020205020404" pitchFamily="49" charset="0"/>
-                <a:cs typeface="Courier New" panose="02070309020205020404" pitchFamily="49" charset="0"/>
-              </a:rPr>
               <a:t> = </a:t>
             </a:r>
             <a:r>
@@ -5003,10 +4985,6 @@
               </a:rPr>
               <a:t>cv::Mat&amp;</a:t>
             </a:r>
-            <a:endParaRPr lang="en-US" b="1" dirty="0">
-              <a:latin typeface="Courier New" panose="02070309020205020404" pitchFamily="49" charset="0"/>
-              <a:cs typeface="Courier New" panose="02070309020205020404" pitchFamily="49" charset="0"/>
-            </a:endParaRPr>
           </a:p>
           <a:p>
             <a:endParaRPr lang="ru-RU" dirty="0"/>
@@ -6965,8 +6943,8 @@
           </a:p>
         </p:txBody>
       </p:sp>
-      <mc:AlternateContent xmlns:mc="http://schemas.openxmlformats.org/markup-compatibility/2006">
-        <mc:Choice xmlns:a14="http://schemas.microsoft.com/office/drawing/2010/main" Requires="a14">
+      <mc:AlternateContent xmlns:mc="http://schemas.openxmlformats.org/markup-compatibility/2006" xmlns:a14="http://schemas.microsoft.com/office/drawing/2010/main">
+        <mc:Choice Requires="a14">
           <p:sp>
             <p:nvSpPr>
               <p:cNvPr id="3" name="Объект 2"/>
@@ -7000,11 +6978,7 @@
               <a:p>
                 <a:r>
                   <a:rPr lang="ru-RU" dirty="0"/>
-                  <a:t>Линейный </a:t>
-                </a:r>
-                <a:r>
-                  <a:rPr lang="ru-RU" dirty="0"/>
-                  <a:t>фильтр определяется </a:t>
+                  <a:t>Линейный фильтр определяется </a:t>
                 </a:r>
                 <a:r>
                   <a:rPr lang="ru-RU" dirty="0" err="1"/>
@@ -7026,15 +7000,7 @@
                 </a14:m>
                 <a:r>
                   <a:rPr lang="ru-RU" dirty="0"/>
-                  <a:t>, заданной на </a:t>
-                </a:r>
-                <a:r>
-                  <a:rPr lang="ru-RU" dirty="0"/>
-                  <a:t>растре. Данная </a:t>
-                </a:r>
-                <a:r>
-                  <a:rPr lang="ru-RU" dirty="0"/>
-                  <a:t>функция называется </a:t>
+                  <a:t>, заданной на растре. Данная функция называется </a:t>
                 </a:r>
                 <a:r>
                   <a:rPr lang="ru-RU" b="1" i="1" dirty="0"/>
@@ -7295,28 +7261,15 @@
                   <a:rPr lang="ru-RU" dirty="0"/>
                   <a:t>. </a:t>
                 </a:r>
-                <a:endParaRPr lang="ru-RU" dirty="0"/>
               </a:p>
               <a:p>
                 <a:r>
                   <a:rPr lang="ru-RU" dirty="0"/>
-                  <a:t>Ш</a:t>
-                </a:r>
-                <a:r>
-                  <a:rPr lang="ru-RU" dirty="0"/>
-                  <a:t>аблон </a:t>
-                </a:r>
-                <a:r>
-                  <a:rPr lang="ru-RU" dirty="0"/>
-                  <a:t>накладывается на каждый текущий пиксель посредством совмещения пикселя с конкретной точкой шаблона – </a:t>
+                  <a:t>Шаблон накладывается на каждый текущий пиксель посредством совмещения пикселя с конкретной точкой шаблона – </a:t>
                 </a:r>
                 <a:r>
                   <a:rPr lang="ru-RU" b="1" i="1" dirty="0"/>
-                  <a:t>ведущей позицией </a:t>
-                </a:r>
-                <a:r>
-                  <a:rPr lang="ru-RU" b="1" i="1" dirty="0"/>
-                  <a:t>шаблона</a:t>
+                  <a:t>ведущей позицией шаблона</a:t>
                 </a:r>
                 <a:r>
                   <a:rPr lang="ru-RU" i="1" dirty="0" smtClean="0"/>
@@ -7327,7 +7280,7 @@
             </p:txBody>
           </p:sp>
         </mc:Choice>
-        <mc:Fallback>
+        <mc:Fallback xmlns="">
           <p:sp>
             <p:nvSpPr>
               <p:cNvPr id="3" name="Объект 2"/>
@@ -7681,8 +7634,8 @@
           </a:p>
         </p:txBody>
       </p:sp>
-      <mc:AlternateContent xmlns:mc="http://schemas.openxmlformats.org/markup-compatibility/2006">
-        <mc:Choice xmlns:a14="http://schemas.microsoft.com/office/drawing/2010/main" Requires="a14">
+      <mc:AlternateContent xmlns:mc="http://schemas.openxmlformats.org/markup-compatibility/2006" xmlns:a14="http://schemas.microsoft.com/office/drawing/2010/main">
+        <mc:Choice Requires="a14">
           <p:sp>
             <p:nvSpPr>
               <p:cNvPr id="3" name="Объект 2"/>
@@ -8484,12 +8437,11 @@
                   <a:rPr lang="ru-RU" dirty="0"/>
                   <a:t>В случае многоканального изображения ядро применяется к каждому каналу в отдельности.</a:t>
                 </a:r>
-                <a:endParaRPr lang="ru-RU" dirty="0"/>
               </a:p>
             </p:txBody>
           </p:sp>
         </mc:Choice>
-        <mc:Fallback>
+        <mc:Fallback xmlns="">
           <p:sp>
             <p:nvSpPr>
               <p:cNvPr id="3" name="Объект 2"/>
@@ -9046,7 +8998,12 @@
             <p:ph idx="1"/>
           </p:nvPr>
         </p:nvSpPr>
-        <p:spPr/>
+        <p:spPr>
+          <a:xfrm>
+            <a:off x="495300" y="1054736"/>
+            <a:ext cx="8915400" cy="4968875"/>
+          </a:xfrm>
+        </p:spPr>
         <p:txBody>
           <a:bodyPr/>
           <a:lstStyle/>
@@ -11585,11 +11542,7 @@
             <a:pPr algn="ctr"/>
             <a:r>
               <a:rPr lang="ru-RU" sz="2000" b="1" dirty="0" smtClean="0"/>
-              <a:t>Захват </a:t>
-            </a:r>
-            <a:r>
-              <a:rPr lang="ru-RU" sz="2000" b="1" dirty="0" smtClean="0"/>
-              <a:t>изображения/изображений</a:t>
+              <a:t>Захват изображения/изображений</a:t>
             </a:r>
             <a:endParaRPr lang="ru-RU" sz="2000" b="1" dirty="0"/>
           </a:p>
@@ -11995,8 +11948,12 @@
           <a:lstStyle/>
           <a:p>
             <a:r>
+              <a:rPr lang="ru-RU" sz="2800" dirty="0" smtClean="0"/>
+              <a:t>Функции чтения </a:t>
+            </a:r>
+            <a:r>
               <a:rPr lang="ru-RU" sz="2800" dirty="0"/>
-              <a:t>Чтение модели нейронной сети</a:t>
+              <a:t>модели нейронной сети</a:t>
             </a:r>
             <a:endParaRPr lang="ru-RU" dirty="0"/>
           </a:p>
@@ -12021,11 +11978,32 @@
               <a:buNone/>
             </a:pPr>
             <a:r>
+              <a:rPr lang="en-US" sz="2400" b="1" dirty="0">
+                <a:latin typeface="Courier New" panose="02070309020205020404" pitchFamily="49" charset="0"/>
+                <a:cs typeface="Courier New" panose="02070309020205020404" pitchFamily="49" charset="0"/>
+              </a:rPr>
+              <a:t>cv::</a:t>
+            </a:r>
+            <a:r>
+              <a:rPr lang="en-US" sz="2400" b="1" dirty="0" err="1">
+                <a:latin typeface="Courier New" panose="02070309020205020404" pitchFamily="49" charset="0"/>
+                <a:cs typeface="Courier New" panose="02070309020205020404" pitchFamily="49" charset="0"/>
+              </a:rPr>
+              <a:t>dnn</a:t>
+            </a:r>
+            <a:r>
               <a:rPr lang="en-US" sz="2400" b="1" dirty="0" smtClean="0">
                 <a:latin typeface="Courier New" panose="02070309020205020404" pitchFamily="49" charset="0"/>
                 <a:cs typeface="Courier New" panose="02070309020205020404" pitchFamily="49" charset="0"/>
               </a:rPr>
-              <a:t>Net cv</a:t>
+              <a:t>::Net </a:t>
+            </a:r>
+            <a:r>
+              <a:rPr lang="en-US" sz="2400" b="1" dirty="0" smtClean="0">
+                <a:latin typeface="Courier New" panose="02070309020205020404" pitchFamily="49" charset="0"/>
+                <a:cs typeface="Courier New" panose="02070309020205020404" pitchFamily="49" charset="0"/>
+              </a:rPr>
+              <a:t>cv</a:t>
             </a:r>
             <a:r>
               <a:rPr lang="en-US" sz="2400" b="1" dirty="0">
@@ -12195,11 +12173,32 @@
               <a:buNone/>
             </a:pPr>
             <a:r>
+              <a:rPr lang="en-US" sz="2400" b="1" dirty="0">
+                <a:latin typeface="Courier New" panose="02070309020205020404" pitchFamily="49" charset="0"/>
+                <a:cs typeface="Courier New" panose="02070309020205020404" pitchFamily="49" charset="0"/>
+              </a:rPr>
+              <a:t>cv::</a:t>
+            </a:r>
+            <a:r>
+              <a:rPr lang="en-US" sz="2400" b="1" dirty="0" err="1">
+                <a:latin typeface="Courier New" panose="02070309020205020404" pitchFamily="49" charset="0"/>
+                <a:cs typeface="Courier New" panose="02070309020205020404" pitchFamily="49" charset="0"/>
+              </a:rPr>
+              <a:t>dnn</a:t>
+            </a:r>
+            <a:r>
               <a:rPr lang="en-US" sz="2400" b="1" dirty="0" smtClean="0">
                 <a:latin typeface="Courier New" panose="02070309020205020404" pitchFamily="49" charset="0"/>
                 <a:cs typeface="Courier New" panose="02070309020205020404" pitchFamily="49" charset="0"/>
               </a:rPr>
-              <a:t>Net cv</a:t>
+              <a:t>::Net </a:t>
+            </a:r>
+            <a:r>
+              <a:rPr lang="en-US" sz="2400" b="1" dirty="0" smtClean="0">
+                <a:latin typeface="Courier New" panose="02070309020205020404" pitchFamily="49" charset="0"/>
+                <a:cs typeface="Courier New" panose="02070309020205020404" pitchFamily="49" charset="0"/>
+              </a:rPr>
+              <a:t>cv</a:t>
             </a:r>
             <a:r>
               <a:rPr lang="en-US" sz="2400" b="1" dirty="0">
@@ -12295,11 +12294,32 @@
               <a:buNone/>
             </a:pPr>
             <a:r>
+              <a:rPr lang="en-US" sz="2400" b="1" dirty="0">
+                <a:latin typeface="Courier New" panose="02070309020205020404" pitchFamily="49" charset="0"/>
+                <a:cs typeface="Courier New" panose="02070309020205020404" pitchFamily="49" charset="0"/>
+              </a:rPr>
+              <a:t>cv::</a:t>
+            </a:r>
+            <a:r>
+              <a:rPr lang="en-US" sz="2400" b="1" dirty="0" err="1">
+                <a:latin typeface="Courier New" panose="02070309020205020404" pitchFamily="49" charset="0"/>
+                <a:cs typeface="Courier New" panose="02070309020205020404" pitchFamily="49" charset="0"/>
+              </a:rPr>
+              <a:t>dnn</a:t>
+            </a:r>
+            <a:r>
               <a:rPr lang="en-US" sz="2400" b="1" dirty="0" smtClean="0">
                 <a:latin typeface="Courier New" panose="02070309020205020404" pitchFamily="49" charset="0"/>
                 <a:cs typeface="Courier New" panose="02070309020205020404" pitchFamily="49" charset="0"/>
               </a:rPr>
-              <a:t>Net cv</a:t>
+              <a:t>::Net </a:t>
+            </a:r>
+            <a:r>
+              <a:rPr lang="en-US" sz="2400" b="1" dirty="0" smtClean="0">
+                <a:latin typeface="Courier New" panose="02070309020205020404" pitchFamily="49" charset="0"/>
+                <a:cs typeface="Courier New" panose="02070309020205020404" pitchFamily="49" charset="0"/>
+              </a:rPr>
+              <a:t>cv</a:t>
             </a:r>
             <a:r>
               <a:rPr lang="en-US" sz="2400" b="1" dirty="0">
@@ -12435,7 +12455,18 @@
             </a:r>
             <a:r>
               <a:rPr lang="en-US" dirty="0" smtClean="0"/>
-              <a:t>Caffe, TensorFlow, Torch</a:t>
+              <a:t>Caffe, TensorFlow, </a:t>
+            </a:r>
+            <a:r>
+              <a:rPr lang="en-US" dirty="0" smtClean="0"/>
+              <a:t>Torch</a:t>
+            </a:r>
+            <a:endParaRPr lang="ru-RU" dirty="0" smtClean="0"/>
+          </a:p>
+          <a:p>
+            <a:r>
+              <a:rPr lang="ru-RU" dirty="0" smtClean="0"/>
+              <a:t>Возвращают объект нейронной сети</a:t>
             </a:r>
             <a:endParaRPr lang="ru-RU" dirty="0"/>
           </a:p>
@@ -13300,8 +13331,8 @@
           <a:lstStyle/>
           <a:p>
             <a:r>
-              <a:rPr lang="ru-RU" sz="2800" dirty="0"/>
-              <a:t>Предварительная обработка </a:t>
+              <a:rPr lang="ru-RU" sz="2800" dirty="0" smtClean="0"/>
+              <a:t>Функции подготовки </a:t>
             </a:r>
             <a:r>
               <a:rPr lang="ru-RU" sz="2800" dirty="0" smtClean="0"/>
@@ -14058,11 +14089,11 @@
           <a:p>
             <a:r>
               <a:rPr lang="ru-RU" sz="2800" dirty="0"/>
-              <a:t>Предварительная обработка </a:t>
+              <a:t>Функции подготовки изображения </a:t>
             </a:r>
             <a:r>
               <a:rPr lang="ru-RU" sz="2800" dirty="0" smtClean="0"/>
-              <a:t>изображения (2)</a:t>
+              <a:t>(2)</a:t>
             </a:r>
             <a:endParaRPr lang="ru-RU" dirty="0"/>
           </a:p>

--- a/help/Introduction2OpenCV.pptx
+++ b/help/Introduction2OpenCV.pptx
@@ -233,7 +233,7 @@
           <a:p>
             <a:fld id="{76900911-8D23-4F4E-B996-83CC28C9A463}" type="datetimeFigureOut">
               <a:rPr lang="ru-RU" smtClean="0"/>
-              <a:t>28.08.2017</a:t>
+              <a:t>08.09.2017</a:t>
             </a:fld>
             <a:endParaRPr lang="ru-RU"/>
           </a:p>
@@ -4501,6 +4501,13 @@
   <p:clrMapOvr>
     <a:masterClrMapping/>
   </p:clrMapOvr>
+  <p:timing>
+    <p:tnLst>
+      <p:par>
+        <p:cTn id="1" dur="indefinite" restart="never" nodeType="tmRoot"/>
+      </p:par>
+    </p:tnLst>
+  </p:timing>
 </p:sld>
 </file>
 
@@ -5443,7 +5450,7 @@
               <a:buNone/>
             </a:pPr>
             <a:r>
-              <a:rPr lang="en-US" sz="2800" b="1" dirty="0" err="1">
+              <a:rPr lang="en-US" sz="2400" b="1" dirty="0" err="1">
                 <a:solidFill>
                   <a:srgbClr val="0000CC"/>
                 </a:solidFill>
@@ -5453,7 +5460,7 @@
               <a:t>int</a:t>
             </a:r>
             <a:r>
-              <a:rPr lang="en-US" sz="2800" b="1" dirty="0">
+              <a:rPr lang="en-US" sz="2400" b="1" dirty="0">
                 <a:solidFill>
                   <a:srgbClr val="0000CC"/>
                 </a:solidFill>
@@ -5463,21 +5470,21 @@
               <a:t> </a:t>
             </a:r>
             <a:r>
-              <a:rPr lang="en-US" sz="2800" b="1" dirty="0" err="1">
+              <a:rPr lang="en-US" sz="2400" b="1" dirty="0" err="1">
                 <a:latin typeface="Courier New" panose="02070309020205020404" pitchFamily="49" charset="0"/>
                 <a:cs typeface="Courier New" panose="02070309020205020404" pitchFamily="49" charset="0"/>
               </a:rPr>
               <a:t>waitKey</a:t>
             </a:r>
             <a:r>
-              <a:rPr lang="en-US" sz="2800" b="1" dirty="0">
+              <a:rPr lang="en-US" sz="2400" b="1" dirty="0">
                 <a:latin typeface="Courier New" panose="02070309020205020404" pitchFamily="49" charset="0"/>
                 <a:cs typeface="Courier New" panose="02070309020205020404" pitchFamily="49" charset="0"/>
               </a:rPr>
               <a:t>(</a:t>
             </a:r>
             <a:r>
-              <a:rPr lang="en-US" sz="2800" b="1" dirty="0" err="1">
+              <a:rPr lang="en-US" sz="2400" b="1" dirty="0" err="1">
                 <a:solidFill>
                   <a:srgbClr val="0000CC"/>
                 </a:solidFill>
@@ -5487,16 +5494,12 @@
               <a:t>int</a:t>
             </a:r>
             <a:r>
-              <a:rPr lang="en-US" sz="2800" b="1" dirty="0">
+              <a:rPr lang="en-US" sz="2400" b="1" dirty="0">
                 <a:latin typeface="Courier New" panose="02070309020205020404" pitchFamily="49" charset="0"/>
                 <a:cs typeface="Courier New" panose="02070309020205020404" pitchFamily="49" charset="0"/>
               </a:rPr>
               <a:t> delay=0)</a:t>
             </a:r>
-            <a:endParaRPr lang="en-US" sz="2400" b="1" dirty="0">
-              <a:latin typeface="Courier New" panose="02070309020205020404" pitchFamily="49" charset="0"/>
-              <a:cs typeface="Courier New" panose="02070309020205020404" pitchFamily="49" charset="0"/>
-            </a:endParaRPr>
           </a:p>
           <a:p>
             <a:r>
@@ -6487,6 +6490,13 @@
   <p:clrMapOvr>
     <a:masterClrMapping/>
   </p:clrMapOvr>
+  <p:timing>
+    <p:tnLst>
+      <p:par>
+        <p:cTn id="1" dur="indefinite" restart="never" nodeType="tmRoot"/>
+      </p:par>
+    </p:tnLst>
+  </p:timing>
 </p:sld>
 </file>
 
@@ -6632,6 +6642,13 @@
   <p:clrMapOvr>
     <a:masterClrMapping/>
   </p:clrMapOvr>
+  <p:timing>
+    <p:tnLst>
+      <p:par>
+        <p:cTn id="1" dur="indefinite" restart="never" nodeType="tmRoot"/>
+      </p:par>
+    </p:tnLst>
+  </p:timing>
 </p:sld>
 </file>
 
@@ -6943,8 +6960,8 @@
           </a:p>
         </p:txBody>
       </p:sp>
-      <mc:AlternateContent xmlns:mc="http://schemas.openxmlformats.org/markup-compatibility/2006" xmlns:a14="http://schemas.microsoft.com/office/drawing/2010/main">
-        <mc:Choice Requires="a14">
+      <mc:AlternateContent xmlns:mc="http://schemas.openxmlformats.org/markup-compatibility/2006">
+        <mc:Choice xmlns:a14="http://schemas.microsoft.com/office/drawing/2010/main" Requires="a14">
           <p:sp>
             <p:nvSpPr>
               <p:cNvPr id="3" name="Объект 2"/>
@@ -6972,8 +6989,13 @@
                 </a14:m>
                 <a:r>
                   <a:rPr lang="ru-RU" dirty="0"/>
-                  <a:t> – полутоновое изображение.</a:t>
+                  <a:t> – полутоновое </a:t>
                 </a:r>
+                <a:r>
+                  <a:rPr lang="ru-RU" dirty="0" smtClean="0"/>
+                  <a:t>изображение</a:t>
+                </a:r>
+                <a:endParaRPr lang="ru-RU" dirty="0"/>
               </a:p>
               <a:p>
                 <a:r>
@@ -7254,13 +7276,10 @@
                   <a:t> или </a:t>
                 </a:r>
                 <a:r>
-                  <a:rPr lang="ru-RU" b="1" i="1" dirty="0"/>
+                  <a:rPr lang="ru-RU" b="1" i="1" dirty="0" smtClean="0"/>
                   <a:t>апертурой</a:t>
                 </a:r>
-                <a:r>
-                  <a:rPr lang="ru-RU" dirty="0"/>
-                  <a:t>. </a:t>
-                </a:r>
+                <a:endParaRPr lang="ru-RU" dirty="0"/>
               </a:p>
               <a:p>
                 <a:r>
@@ -7269,18 +7288,18 @@
                 </a:r>
                 <a:r>
                   <a:rPr lang="ru-RU" b="1" i="1" dirty="0"/>
-                  <a:t>ведущей позицией шаблона</a:t>
+                  <a:t>ведущей позицией </a:t>
                 </a:r>
                 <a:r>
-                  <a:rPr lang="ru-RU" i="1" dirty="0" smtClean="0"/>
-                  <a:t>.</a:t>
+                  <a:rPr lang="ru-RU" b="1" i="1" dirty="0" smtClean="0"/>
+                  <a:t>шаблона</a:t>
                 </a:r>
                 <a:endParaRPr lang="ru-RU" dirty="0"/>
               </a:p>
             </p:txBody>
           </p:sp>
         </mc:Choice>
-        <mc:Fallback xmlns="">
+        <mc:Fallback>
           <p:sp>
             <p:nvSpPr>
               <p:cNvPr id="3" name="Объект 2"/>
@@ -7385,6 +7404,13 @@
   <p:clrMapOvr>
     <a:masterClrMapping/>
   </p:clrMapOvr>
+  <p:timing>
+    <p:tnLst>
+      <p:par>
+        <p:cTn id="1" dur="indefinite" restart="never" nodeType="tmRoot"/>
+      </p:par>
+    </p:tnLst>
+  </p:timing>
 </p:sld>
 </file>
 
@@ -7587,6 +7613,13 @@
   <p:clrMapOvr>
     <a:masterClrMapping/>
   </p:clrMapOvr>
+  <p:timing>
+    <p:tnLst>
+      <p:par>
+        <p:cTn id="1" dur="indefinite" restart="never" nodeType="tmRoot"/>
+      </p:par>
+    </p:tnLst>
+  </p:timing>
 </p:sld>
 </file>
 
@@ -8546,6 +8579,13 @@
   <p:clrMapOvr>
     <a:masterClrMapping/>
   </p:clrMapOvr>
+  <p:timing>
+    <p:tnLst>
+      <p:par>
+        <p:cTn id="1" dur="indefinite" restart="never" nodeType="tmRoot"/>
+      </p:par>
+    </p:tnLst>
+  </p:timing>
 </p:sld>
 </file>
 
@@ -8941,6 +8981,13 @@
   <p:clrMapOvr>
     <a:masterClrMapping/>
   </p:clrMapOvr>
+  <p:timing>
+    <p:tnLst>
+      <p:par>
+        <p:cTn id="1" dur="indefinite" restart="never" nodeType="tmRoot"/>
+      </p:par>
+    </p:tnLst>
+  </p:timing>
 </p:sld>
 </file>
 
@@ -9907,6 +9954,13 @@
   <p:clrMapOvr>
     <a:masterClrMapping/>
   </p:clrMapOvr>
+  <p:timing>
+    <p:tnLst>
+      <p:par>
+        <p:cTn id="1" dur="indefinite" restart="never" nodeType="tmRoot"/>
+      </p:par>
+    </p:tnLst>
+  </p:timing>
 </p:sld>
 </file>
 
@@ -9988,7 +10042,26 @@
           <a:p>
             <a:r>
               <a:rPr lang="ru-RU" dirty="0"/>
-              <a:t>Ядро может иметь произвольную форму и размер (во квадрат или круг). </a:t>
+              <a:t>Ядро может иметь произвольную форму и размер </a:t>
+            </a:r>
+            <a:r>
+              <a:rPr lang="ru-RU" dirty="0" smtClean="0"/>
+              <a:t>(квадрат</a:t>
+            </a:r>
+            <a:r>
+              <a:rPr lang="en-US" dirty="0" smtClean="0"/>
+              <a:t/>
+            </a:r>
+            <a:br>
+              <a:rPr lang="en-US" dirty="0" smtClean="0"/>
+            </a:br>
+            <a:r>
+              <a:rPr lang="ru-RU" dirty="0" smtClean="0"/>
+              <a:t>или </a:t>
+            </a:r>
+            <a:r>
+              <a:rPr lang="ru-RU" dirty="0"/>
+              <a:t>круг). </a:t>
             </a:r>
           </a:p>
           <a:p>
@@ -10123,6 +10196,13 @@
   <p:clrMapOvr>
     <a:masterClrMapping/>
   </p:clrMapOvr>
+  <p:timing>
+    <p:tnLst>
+      <p:par>
+        <p:cTn id="1" dur="indefinite" restart="never" nodeType="tmRoot"/>
+      </p:par>
+    </p:tnLst>
+  </p:timing>
 </p:sld>
 </file>
 
@@ -10300,6 +10380,13 @@
   <p:clrMapOvr>
     <a:masterClrMapping/>
   </p:clrMapOvr>
+  <p:timing>
+    <p:tnLst>
+      <p:par>
+        <p:cTn id="1" dur="indefinite" restart="never" nodeType="tmRoot"/>
+      </p:par>
+    </p:tnLst>
+  </p:timing>
 </p:sld>
 </file>
 
@@ -10477,6 +10564,13 @@
   <p:clrMapOvr>
     <a:masterClrMapping/>
   </p:clrMapOvr>
+  <p:timing>
+    <p:tnLst>
+      <p:par>
+        <p:cTn id="1" dur="indefinite" restart="never" nodeType="tmRoot"/>
+      </p:par>
+    </p:tnLst>
+  </p:timing>
 </p:sld>
 </file>
 
@@ -11028,6 +11122,13 @@
   <p:clrMapOvr>
     <a:masterClrMapping/>
   </p:clrMapOvr>
+  <p:timing>
+    <p:tnLst>
+      <p:par>
+        <p:cTn id="1" dur="indefinite" restart="never" nodeType="tmRoot"/>
+      </p:par>
+    </p:tnLst>
+  </p:timing>
 </p:sld>
 </file>
 
@@ -11173,6 +11274,13 @@
   <p:clrMapOvr>
     <a:masterClrMapping/>
   </p:clrMapOvr>
+  <p:timing>
+    <p:tnLst>
+      <p:par>
+        <p:cTn id="1" dur="indefinite" restart="never" nodeType="tmRoot"/>
+      </p:par>
+    </p:tnLst>
+  </p:timing>
 </p:sld>
 </file>
 
@@ -11263,7 +11371,15 @@
           <a:p>
             <a:r>
               <a:rPr lang="ru-RU" dirty="0" smtClean="0"/>
-              <a:t>Множество встроенных наиболее полезных слоев</a:t>
+              <a:t>Множество встроенных наиболее </a:t>
+            </a:r>
+            <a:r>
+              <a:rPr lang="ru-RU" dirty="0"/>
+              <a:t>распространенных </a:t>
+            </a:r>
+            <a:r>
+              <a:rPr lang="ru-RU" dirty="0" smtClean="0"/>
+              <a:t>слоев</a:t>
             </a:r>
           </a:p>
           <a:p>
@@ -11912,6 +12028,13 @@
   <p:clrMapOvr>
     <a:masterClrMapping/>
   </p:clrMapOvr>
+  <p:timing>
+    <p:tnLst>
+      <p:par>
+        <p:cTn id="1" dur="indefinite" restart="never" nodeType="tmRoot"/>
+      </p:par>
+    </p:tnLst>
+  </p:timing>
 </p:sld>
 </file>
 
@@ -11996,14 +12119,7 @@
                 <a:latin typeface="Courier New" panose="02070309020205020404" pitchFamily="49" charset="0"/>
                 <a:cs typeface="Courier New" panose="02070309020205020404" pitchFamily="49" charset="0"/>
               </a:rPr>
-              <a:t>::Net </a:t>
-            </a:r>
-            <a:r>
-              <a:rPr lang="en-US" sz="2400" b="1" dirty="0" smtClean="0">
-                <a:latin typeface="Courier New" panose="02070309020205020404" pitchFamily="49" charset="0"/>
-                <a:cs typeface="Courier New" panose="02070309020205020404" pitchFamily="49" charset="0"/>
-              </a:rPr>
-              <a:t>cv</a:t>
+              <a:t>::Net cv</a:t>
             </a:r>
             <a:r>
               <a:rPr lang="en-US" sz="2400" b="1" dirty="0">
@@ -12191,14 +12307,7 @@
                 <a:latin typeface="Courier New" panose="02070309020205020404" pitchFamily="49" charset="0"/>
                 <a:cs typeface="Courier New" panose="02070309020205020404" pitchFamily="49" charset="0"/>
               </a:rPr>
-              <a:t>::Net </a:t>
-            </a:r>
-            <a:r>
-              <a:rPr lang="en-US" sz="2400" b="1" dirty="0" smtClean="0">
-                <a:latin typeface="Courier New" panose="02070309020205020404" pitchFamily="49" charset="0"/>
-                <a:cs typeface="Courier New" panose="02070309020205020404" pitchFamily="49" charset="0"/>
-              </a:rPr>
-              <a:t>cv</a:t>
+              <a:t>::Net cv</a:t>
             </a:r>
             <a:r>
               <a:rPr lang="en-US" sz="2400" b="1" dirty="0">
@@ -12312,14 +12421,7 @@
                 <a:latin typeface="Courier New" panose="02070309020205020404" pitchFamily="49" charset="0"/>
                 <a:cs typeface="Courier New" panose="02070309020205020404" pitchFamily="49" charset="0"/>
               </a:rPr>
-              <a:t>::Net </a:t>
-            </a:r>
-            <a:r>
-              <a:rPr lang="en-US" sz="2400" b="1" dirty="0" smtClean="0">
-                <a:latin typeface="Courier New" panose="02070309020205020404" pitchFamily="49" charset="0"/>
-                <a:cs typeface="Courier New" panose="02070309020205020404" pitchFamily="49" charset="0"/>
-              </a:rPr>
-              <a:t>cv</a:t>
+              <a:t>::Net cv</a:t>
             </a:r>
             <a:r>
               <a:rPr lang="en-US" sz="2400" b="1" dirty="0">
@@ -12455,11 +12557,7 @@
             </a:r>
             <a:r>
               <a:rPr lang="en-US" dirty="0" smtClean="0"/>
-              <a:t>Caffe, TensorFlow, </a:t>
-            </a:r>
-            <a:r>
-              <a:rPr lang="en-US" dirty="0" smtClean="0"/>
-              <a:t>Torch</a:t>
+              <a:t>Caffe, TensorFlow, Torch</a:t>
             </a:r>
             <a:endParaRPr lang="ru-RU" dirty="0" smtClean="0"/>
           </a:p>
@@ -12543,6 +12641,13 @@
   <p:clrMapOvr>
     <a:masterClrMapping/>
   </p:clrMapOvr>
+  <p:timing>
+    <p:tnLst>
+      <p:par>
+        <p:cTn id="1" dur="indefinite" restart="never" nodeType="tmRoot"/>
+      </p:par>
+    </p:tnLst>
+  </p:timing>
 </p:sld>
 </file>
 
@@ -13295,6 +13400,13 @@
   <p:clrMapOvr>
     <a:masterClrMapping/>
   </p:clrMapOvr>
+  <p:timing>
+    <p:tnLst>
+      <p:par>
+        <p:cTn id="1" dur="indefinite" restart="never" nodeType="tmRoot"/>
+      </p:par>
+    </p:tnLst>
+  </p:timing>
 </p:sld>
 </file>
 
@@ -13332,11 +13444,7 @@
           <a:p>
             <a:r>
               <a:rPr lang="ru-RU" sz="2800" dirty="0" smtClean="0"/>
-              <a:t>Функции подготовки </a:t>
-            </a:r>
-            <a:r>
-              <a:rPr lang="ru-RU" sz="2800" dirty="0" smtClean="0"/>
-              <a:t>изображения (1)</a:t>
+              <a:t>Функции подготовки изображения (1)</a:t>
             </a:r>
             <a:endParaRPr lang="ru-RU" dirty="0"/>
           </a:p>
@@ -14052,6 +14160,13 @@
   <p:clrMapOvr>
     <a:masterClrMapping/>
   </p:clrMapOvr>
+  <p:timing>
+    <p:tnLst>
+      <p:par>
+        <p:cTn id="1" dur="indefinite" restart="never" nodeType="tmRoot"/>
+      </p:par>
+    </p:tnLst>
+  </p:timing>
 </p:sld>
 </file>
 
@@ -14783,6 +14898,13 @@
   <p:clrMapOvr>
     <a:masterClrMapping/>
   </p:clrMapOvr>
+  <p:timing>
+    <p:tnLst>
+      <p:par>
+        <p:cTn id="1" dur="indefinite" restart="never" nodeType="tmRoot"/>
+      </p:par>
+    </p:tnLst>
+  </p:timing>
 </p:sld>
 </file>
 
@@ -19070,6 +19192,13 @@
   <p:clrMapOvr>
     <a:masterClrMapping/>
   </p:clrMapOvr>
+  <p:timing>
+    <p:tnLst>
+      <p:par>
+        <p:cTn id="1" dur="indefinite" restart="never" nodeType="tmRoot"/>
+      </p:par>
+    </p:tnLst>
+  </p:timing>
 </p:sld>
 </file>
 
